--- a/AI 실전 2주차 - pytorch.pptx
+++ b/AI 실전 2주차 - pytorch.pptx
@@ -10,17 +10,18 @@
     <p:sldId id="269" r:id="rId4"/>
     <p:sldId id="258" r:id="rId5"/>
     <p:sldId id="259" r:id="rId6"/>
-    <p:sldId id="260" r:id="rId7"/>
-    <p:sldId id="264" r:id="rId8"/>
-    <p:sldId id="265" r:id="rId9"/>
-    <p:sldId id="270" r:id="rId10"/>
-    <p:sldId id="271" r:id="rId11"/>
-    <p:sldId id="272" r:id="rId12"/>
-    <p:sldId id="266" r:id="rId13"/>
-    <p:sldId id="273" r:id="rId14"/>
-    <p:sldId id="274" r:id="rId15"/>
-    <p:sldId id="267" r:id="rId16"/>
-    <p:sldId id="275" r:id="rId17"/>
+    <p:sldId id="276" r:id="rId7"/>
+    <p:sldId id="260" r:id="rId8"/>
+    <p:sldId id="264" r:id="rId9"/>
+    <p:sldId id="265" r:id="rId10"/>
+    <p:sldId id="270" r:id="rId11"/>
+    <p:sldId id="271" r:id="rId12"/>
+    <p:sldId id="272" r:id="rId13"/>
+    <p:sldId id="266" r:id="rId14"/>
+    <p:sldId id="273" r:id="rId15"/>
+    <p:sldId id="274" r:id="rId16"/>
+    <p:sldId id="267" r:id="rId17"/>
+    <p:sldId id="275" r:id="rId18"/>
   </p:sldIdLst>
   <p:sldSz cx="12192000" cy="6858000"/>
   <p:notesSz cx="6858000" cy="9144000"/>
@@ -3456,6 +3457,97 @@
           <p:cNvPr id="2" name="제목 1">
             <a:extLst>
               <a:ext uri="{FF2B5EF4-FFF2-40B4-BE49-F238E27FC236}">
+                <a16:creationId xmlns:a16="http://schemas.microsoft.com/office/drawing/2014/main" id="{F89C360B-9EC0-B9E0-0545-66FAC90E4A95}"/>
+              </a:ext>
+            </a:extLst>
+          </p:cNvPr>
+          <p:cNvSpPr>
+            <a:spLocks noGrp="1"/>
+          </p:cNvSpPr>
+          <p:nvPr>
+            <p:ph type="title"/>
+          </p:nvPr>
+        </p:nvSpPr>
+        <p:spPr/>
+        <p:txBody>
+          <a:bodyPr/>
+          <a:lstStyle/>
+          <a:p>
+            <a:r>
+              <a:rPr kumimoji="1" lang="en-US" altLang="ko-KR" dirty="0"/>
+              <a:t>4.</a:t>
+            </a:r>
+            <a:r>
+              <a:rPr kumimoji="1" lang="ko-KR" altLang="en-US" dirty="0"/>
+              <a:t> 모델 학습 함수</a:t>
+            </a:r>
+          </a:p>
+        </p:txBody>
+      </p:sp>
+      <p:pic>
+        <p:nvPicPr>
+          <p:cNvPr id="5" name="내용 개체 틀 4" descr="텍스트, 스크린샷, 소프트웨어, 멀티미디어 소프트웨어이(가) 표시된 사진&#10;&#10;AI 생성 콘텐츠는 정확하지 않을 수 있습니다.">
+            <a:extLst>
+              <a:ext uri="{FF2B5EF4-FFF2-40B4-BE49-F238E27FC236}">
+                <a16:creationId xmlns:a16="http://schemas.microsoft.com/office/drawing/2014/main" id="{97E17B1B-97F0-B34C-D1DA-37BC8FED602D}"/>
+              </a:ext>
+            </a:extLst>
+          </p:cNvPr>
+          <p:cNvPicPr>
+            <a:picLocks noGrp="1" noChangeAspect="1"/>
+          </p:cNvPicPr>
+          <p:nvPr>
+            <p:ph idx="1"/>
+          </p:nvPr>
+        </p:nvPicPr>
+        <p:blipFill>
+          <a:blip r:embed="rId2"/>
+          <a:stretch>
+            <a:fillRect/>
+          </a:stretch>
+        </p:blipFill>
+        <p:spPr>
+          <a:xfrm>
+            <a:off x="2020219" y="1253331"/>
+            <a:ext cx="8151561" cy="5239544"/>
+          </a:xfrm>
+        </p:spPr>
+      </p:pic>
+    </p:spTree>
+    <p:extLst>
+      <p:ext uri="{BB962C8B-B14F-4D97-AF65-F5344CB8AC3E}">
+        <p14:creationId xmlns:p14="http://schemas.microsoft.com/office/powerpoint/2010/main" val="2959560300"/>
+      </p:ext>
+    </p:extLst>
+  </p:cSld>
+  <p:clrMapOvr>
+    <a:masterClrMapping/>
+  </p:clrMapOvr>
+</p:sld>
+</file>
+
+<file path=ppt/slides/slide11.xml><?xml version="1.0" encoding="utf-8"?>
+<p:sld xmlns:a="http://schemas.openxmlformats.org/drawingml/2006/main" xmlns:r="http://schemas.openxmlformats.org/officeDocument/2006/relationships" xmlns:p="http://schemas.openxmlformats.org/presentationml/2006/main">
+  <p:cSld>
+    <p:spTree>
+      <p:nvGrpSpPr>
+        <p:cNvPr id="1" name=""/>
+        <p:cNvGrpSpPr/>
+        <p:nvPr/>
+      </p:nvGrpSpPr>
+      <p:grpSpPr>
+        <a:xfrm>
+          <a:off x="0" y="0"/>
+          <a:ext cx="0" cy="0"/>
+          <a:chOff x="0" y="0"/>
+          <a:chExt cx="0" cy="0"/>
+        </a:xfrm>
+      </p:grpSpPr>
+      <p:sp>
+        <p:nvSpPr>
+          <p:cNvPr id="2" name="제목 1">
+            <a:extLst>
+              <a:ext uri="{FF2B5EF4-FFF2-40B4-BE49-F238E27FC236}">
                 <a16:creationId xmlns:a16="http://schemas.microsoft.com/office/drawing/2014/main" id="{4AC8F800-1F1F-CE68-F4DE-642292CAF185}"/>
               </a:ext>
             </a:extLst>
@@ -3525,7 +3617,7 @@
 </p:sld>
 </file>
 
-<file path=ppt/slides/slide11.xml><?xml version="1.0" encoding="utf-8"?>
+<file path=ppt/slides/slide12.xml><?xml version="1.0" encoding="utf-8"?>
 <p:sld xmlns:a="http://schemas.openxmlformats.org/drawingml/2006/main" xmlns:r="http://schemas.openxmlformats.org/officeDocument/2006/relationships" xmlns:p="http://schemas.openxmlformats.org/presentationml/2006/main">
   <p:cSld>
     <p:spTree>
@@ -3616,7 +3708,7 @@
 </p:sld>
 </file>
 
-<file path=ppt/slides/slide12.xml><?xml version="1.0" encoding="utf-8"?>
+<file path=ppt/slides/slide13.xml><?xml version="1.0" encoding="utf-8"?>
 <p:sld xmlns:a="http://schemas.openxmlformats.org/drawingml/2006/main" xmlns:r="http://schemas.openxmlformats.org/officeDocument/2006/relationships" xmlns:p="http://schemas.openxmlformats.org/presentationml/2006/main">
   <p:cSld>
     <p:spTree>
@@ -3707,7 +3799,7 @@
 </p:sld>
 </file>
 
-<file path=ppt/slides/slide13.xml><?xml version="1.0" encoding="utf-8"?>
+<file path=ppt/slides/slide14.xml><?xml version="1.0" encoding="utf-8"?>
 <p:sld xmlns:a="http://schemas.openxmlformats.org/drawingml/2006/main" xmlns:r="http://schemas.openxmlformats.org/officeDocument/2006/relationships" xmlns:p="http://schemas.openxmlformats.org/presentationml/2006/main">
   <p:cSld>
     <p:spTree>
@@ -3798,7 +3890,7 @@
 </p:sld>
 </file>
 
-<file path=ppt/slides/slide14.xml><?xml version="1.0" encoding="utf-8"?>
+<file path=ppt/slides/slide15.xml><?xml version="1.0" encoding="utf-8"?>
 <p:sld xmlns:a="http://schemas.openxmlformats.org/drawingml/2006/main" xmlns:r="http://schemas.openxmlformats.org/officeDocument/2006/relationships" xmlns:p="http://schemas.openxmlformats.org/presentationml/2006/main">
   <p:cSld>
     <p:spTree>
@@ -3889,7 +3981,7 @@
 </p:sld>
 </file>
 
-<file path=ppt/slides/slide15.xml><?xml version="1.0" encoding="utf-8"?>
+<file path=ppt/slides/slide16.xml><?xml version="1.0" encoding="utf-8"?>
 <p:sld xmlns:a="http://schemas.openxmlformats.org/drawingml/2006/main" xmlns:r="http://schemas.openxmlformats.org/officeDocument/2006/relationships" xmlns:p="http://schemas.openxmlformats.org/presentationml/2006/main">
   <p:cSld>
     <p:spTree>
@@ -3983,7 +4075,7 @@
 </p:sld>
 </file>
 
-<file path=ppt/slides/slide16.xml><?xml version="1.0" encoding="utf-8"?>
+<file path=ppt/slides/slide17.xml><?xml version="1.0" encoding="utf-8"?>
 <p:sld xmlns:a="http://schemas.openxmlformats.org/drawingml/2006/main" xmlns:r="http://schemas.openxmlformats.org/officeDocument/2006/relationships" xmlns:p="http://schemas.openxmlformats.org/presentationml/2006/main">
   <p:cSld>
     <p:spTree>
@@ -4404,7 +4496,7 @@
           <a:p>
             <a:r>
               <a:rPr kumimoji="1" lang="en-US" altLang="ko-KR" dirty="0"/>
-              <a:t>CIFAR-10 </a:t>
+              <a:t>Fashion MNIST </a:t>
             </a:r>
             <a:r>
               <a:rPr kumimoji="1" lang="en-US" altLang="ko-KR" dirty="0" err="1"/>
@@ -4585,6 +4677,94 @@
           <p:cNvPr id="2" name="제목 1">
             <a:extLst>
               <a:ext uri="{FF2B5EF4-FFF2-40B4-BE49-F238E27FC236}">
+                <a16:creationId xmlns:a16="http://schemas.microsoft.com/office/drawing/2014/main" id="{C359E0B1-BB89-3600-DE93-5D84B0FDCB46}"/>
+              </a:ext>
+            </a:extLst>
+          </p:cNvPr>
+          <p:cNvSpPr>
+            <a:spLocks noGrp="1"/>
+          </p:cNvSpPr>
+          <p:nvPr>
+            <p:ph type="title"/>
+          </p:nvPr>
+        </p:nvSpPr>
+        <p:spPr/>
+        <p:txBody>
+          <a:bodyPr/>
+          <a:lstStyle/>
+          <a:p>
+            <a:r>
+              <a:rPr kumimoji="1" lang="en-US" altLang="ko-KR" dirty="0"/>
+              <a:t>0. Download Fashion MNIST</a:t>
+            </a:r>
+            <a:endParaRPr kumimoji="1" lang="ko-KR" altLang="en-US" dirty="0"/>
+          </a:p>
+        </p:txBody>
+      </p:sp>
+      <p:pic>
+        <p:nvPicPr>
+          <p:cNvPr id="9" name="내용 개체 틀 8" descr="텍스트, 스크린샷, 폰트, 디자인이(가) 표시된 사진&#10;&#10;AI 생성 콘텐츠는 정확하지 않을 수 있습니다.">
+            <a:extLst>
+              <a:ext uri="{FF2B5EF4-FFF2-40B4-BE49-F238E27FC236}">
+                <a16:creationId xmlns:a16="http://schemas.microsoft.com/office/drawing/2014/main" id="{E40A3779-E6E9-F3A7-3807-58931797D786}"/>
+              </a:ext>
+            </a:extLst>
+          </p:cNvPr>
+          <p:cNvPicPr>
+            <a:picLocks noGrp="1" noChangeAspect="1"/>
+          </p:cNvPicPr>
+          <p:nvPr>
+            <p:ph idx="1"/>
+          </p:nvPr>
+        </p:nvPicPr>
+        <p:blipFill>
+          <a:blip r:embed="rId2"/>
+          <a:stretch>
+            <a:fillRect/>
+          </a:stretch>
+        </p:blipFill>
+        <p:spPr>
+          <a:xfrm>
+            <a:off x="3004684" y="1690688"/>
+            <a:ext cx="6182632" cy="5032375"/>
+          </a:xfrm>
+        </p:spPr>
+      </p:pic>
+    </p:spTree>
+    <p:extLst>
+      <p:ext uri="{BB962C8B-B14F-4D97-AF65-F5344CB8AC3E}">
+        <p14:creationId xmlns:p14="http://schemas.microsoft.com/office/powerpoint/2010/main" val="4255323893"/>
+      </p:ext>
+    </p:extLst>
+  </p:cSld>
+  <p:clrMapOvr>
+    <a:masterClrMapping/>
+  </p:clrMapOvr>
+</p:sld>
+</file>
+
+<file path=ppt/slides/slide7.xml><?xml version="1.0" encoding="utf-8"?>
+<p:sld xmlns:a="http://schemas.openxmlformats.org/drawingml/2006/main" xmlns:r="http://schemas.openxmlformats.org/officeDocument/2006/relationships" xmlns:p="http://schemas.openxmlformats.org/presentationml/2006/main">
+  <p:cSld>
+    <p:spTree>
+      <p:nvGrpSpPr>
+        <p:cNvPr id="1" name=""/>
+        <p:cNvGrpSpPr/>
+        <p:nvPr/>
+      </p:nvGrpSpPr>
+      <p:grpSpPr>
+        <a:xfrm>
+          <a:off x="0" y="0"/>
+          <a:ext cx="0" cy="0"/>
+          <a:chOff x="0" y="0"/>
+          <a:chExt cx="0" cy="0"/>
+        </a:xfrm>
+      </p:grpSpPr>
+      <p:sp>
+        <p:nvSpPr>
+          <p:cNvPr id="2" name="제목 1">
+            <a:extLst>
+              <a:ext uri="{FF2B5EF4-FFF2-40B4-BE49-F238E27FC236}">
                 <a16:creationId xmlns:a16="http://schemas.microsoft.com/office/drawing/2014/main" id="{4EAEC88E-8F0D-8486-F1DC-CB303A820774}"/>
               </a:ext>
             </a:extLst>
@@ -4667,7 +4847,7 @@
 </p:sld>
 </file>
 
-<file path=ppt/slides/slide7.xml><?xml version="1.0" encoding="utf-8"?>
+<file path=ppt/slides/slide8.xml><?xml version="1.0" encoding="utf-8"?>
 <p:sld xmlns:a="http://schemas.openxmlformats.org/drawingml/2006/main" xmlns:r="http://schemas.openxmlformats.org/officeDocument/2006/relationships" xmlns:p="http://schemas.openxmlformats.org/presentationml/2006/main">
   <p:cSld>
     <p:spTree>
@@ -4758,7 +4938,7 @@
 </p:sld>
 </file>
 
-<file path=ppt/slides/slide8.xml><?xml version="1.0" encoding="utf-8"?>
+<file path=ppt/slides/slide9.xml><?xml version="1.0" encoding="utf-8"?>
 <p:sld xmlns:a="http://schemas.openxmlformats.org/drawingml/2006/main" xmlns:r="http://schemas.openxmlformats.org/officeDocument/2006/relationships" xmlns:p="http://schemas.openxmlformats.org/presentationml/2006/main">
   <p:cSld>
     <p:spTree>
@@ -4840,97 +5020,6 @@
     <p:extLst>
       <p:ext uri="{BB962C8B-B14F-4D97-AF65-F5344CB8AC3E}">
         <p14:creationId xmlns:p14="http://schemas.microsoft.com/office/powerpoint/2010/main" val="2847868175"/>
-      </p:ext>
-    </p:extLst>
-  </p:cSld>
-  <p:clrMapOvr>
-    <a:masterClrMapping/>
-  </p:clrMapOvr>
-</p:sld>
-</file>
-
-<file path=ppt/slides/slide9.xml><?xml version="1.0" encoding="utf-8"?>
-<p:sld xmlns:a="http://schemas.openxmlformats.org/drawingml/2006/main" xmlns:r="http://schemas.openxmlformats.org/officeDocument/2006/relationships" xmlns:p="http://schemas.openxmlformats.org/presentationml/2006/main">
-  <p:cSld>
-    <p:spTree>
-      <p:nvGrpSpPr>
-        <p:cNvPr id="1" name=""/>
-        <p:cNvGrpSpPr/>
-        <p:nvPr/>
-      </p:nvGrpSpPr>
-      <p:grpSpPr>
-        <a:xfrm>
-          <a:off x="0" y="0"/>
-          <a:ext cx="0" cy="0"/>
-          <a:chOff x="0" y="0"/>
-          <a:chExt cx="0" cy="0"/>
-        </a:xfrm>
-      </p:grpSpPr>
-      <p:sp>
-        <p:nvSpPr>
-          <p:cNvPr id="2" name="제목 1">
-            <a:extLst>
-              <a:ext uri="{FF2B5EF4-FFF2-40B4-BE49-F238E27FC236}">
-                <a16:creationId xmlns:a16="http://schemas.microsoft.com/office/drawing/2014/main" id="{F89C360B-9EC0-B9E0-0545-66FAC90E4A95}"/>
-              </a:ext>
-            </a:extLst>
-          </p:cNvPr>
-          <p:cNvSpPr>
-            <a:spLocks noGrp="1"/>
-          </p:cNvSpPr>
-          <p:nvPr>
-            <p:ph type="title"/>
-          </p:nvPr>
-        </p:nvSpPr>
-        <p:spPr/>
-        <p:txBody>
-          <a:bodyPr/>
-          <a:lstStyle/>
-          <a:p>
-            <a:r>
-              <a:rPr kumimoji="1" lang="en-US" altLang="ko-KR" dirty="0"/>
-              <a:t>4.</a:t>
-            </a:r>
-            <a:r>
-              <a:rPr kumimoji="1" lang="ko-KR" altLang="en-US" dirty="0"/>
-              <a:t> 모델 학습 함수</a:t>
-            </a:r>
-          </a:p>
-        </p:txBody>
-      </p:sp>
-      <p:pic>
-        <p:nvPicPr>
-          <p:cNvPr id="5" name="내용 개체 틀 4" descr="텍스트, 스크린샷, 소프트웨어, 멀티미디어 소프트웨어이(가) 표시된 사진&#10;&#10;AI 생성 콘텐츠는 정확하지 않을 수 있습니다.">
-            <a:extLst>
-              <a:ext uri="{FF2B5EF4-FFF2-40B4-BE49-F238E27FC236}">
-                <a16:creationId xmlns:a16="http://schemas.microsoft.com/office/drawing/2014/main" id="{97E17B1B-97F0-B34C-D1DA-37BC8FED602D}"/>
-              </a:ext>
-            </a:extLst>
-          </p:cNvPr>
-          <p:cNvPicPr>
-            <a:picLocks noGrp="1" noChangeAspect="1"/>
-          </p:cNvPicPr>
-          <p:nvPr>
-            <p:ph idx="1"/>
-          </p:nvPr>
-        </p:nvPicPr>
-        <p:blipFill>
-          <a:blip r:embed="rId2"/>
-          <a:stretch>
-            <a:fillRect/>
-          </a:stretch>
-        </p:blipFill>
-        <p:spPr>
-          <a:xfrm>
-            <a:off x="2020219" y="1253331"/>
-            <a:ext cx="8151561" cy="5239544"/>
-          </a:xfrm>
-        </p:spPr>
-      </p:pic>
-    </p:spTree>
-    <p:extLst>
-      <p:ext uri="{BB962C8B-B14F-4D97-AF65-F5344CB8AC3E}">
-        <p14:creationId xmlns:p14="http://schemas.microsoft.com/office/powerpoint/2010/main" val="2959560300"/>
       </p:ext>
     </p:extLst>
   </p:cSld>
